--- a/Projet ORM-API.pptx
+++ b/Projet ORM-API.pptx
@@ -11,6 +11,7 @@
     <p:sldId id="259" r:id="rId5"/>
     <p:sldId id="260" r:id="rId6"/>
     <p:sldId id="262" r:id="rId7"/>
+    <p:sldId id="264" r:id="rId8"/>
   </p:sldIdLst>
   <p:sldSz cx="12192000" cy="6858000"/>
   <p:notesSz cx="6858000" cy="9144000"/>
@@ -109,6 +110,11 @@
       </a:defRPr>
     </a:lvl9pPr>
   </p:defaultTextStyle>
+  <p:extLst>
+    <p:ext uri="{EFAFB233-063F-42B5-8137-9DF3F51BA10A}">
+      <p15:sldGuideLst xmlns:p15="http://schemas.microsoft.com/office/powerpoint/2012/main"/>
+    </p:ext>
+  </p:extLst>
 </p:presentation>
 </file>
 
@@ -443,7 +449,7 @@
           <a:p>
             <a:fld id="{02AC24A9-CCB6-4F8D-B8DB-C2F3692CFA5A}" type="datetimeFigureOut">
               <a:rPr lang="en-US" smtClean="0"/>
-              <a:t>5/4/2020</a:t>
+              <a:t>5/5/2020</a:t>
             </a:fld>
             <a:endParaRPr lang="en-US"/>
           </a:p>
@@ -767,7 +773,7 @@
           <a:p>
             <a:fld id="{02AC24A9-CCB6-4F8D-B8DB-C2F3692CFA5A}" type="datetimeFigureOut">
               <a:rPr lang="en-US" smtClean="0"/>
-              <a:t>5/4/2020</a:t>
+              <a:t>5/5/2020</a:t>
             </a:fld>
             <a:endParaRPr lang="en-US"/>
           </a:p>
@@ -1015,7 +1021,7 @@
           <a:p>
             <a:fld id="{02AC24A9-CCB6-4F8D-B8DB-C2F3692CFA5A}" type="datetimeFigureOut">
               <a:rPr lang="en-US" smtClean="0"/>
-              <a:t>5/4/2020</a:t>
+              <a:t>5/5/2020</a:t>
             </a:fld>
             <a:endParaRPr lang="en-US"/>
           </a:p>
@@ -1354,7 +1360,7 @@
           <a:p>
             <a:fld id="{02AC24A9-CCB6-4F8D-B8DB-C2F3692CFA5A}" type="datetimeFigureOut">
               <a:rPr lang="en-US" smtClean="0"/>
-              <a:t>5/4/2020</a:t>
+              <a:t>5/5/2020</a:t>
             </a:fld>
             <a:endParaRPr lang="en-US"/>
           </a:p>
@@ -1701,7 +1707,7 @@
           <a:p>
             <a:fld id="{02AC24A9-CCB6-4F8D-B8DB-C2F3692CFA5A}" type="datetimeFigureOut">
               <a:rPr lang="en-US" smtClean="0"/>
-              <a:t>5/4/2020</a:t>
+              <a:t>5/5/2020</a:t>
             </a:fld>
             <a:endParaRPr lang="en-US"/>
           </a:p>
@@ -2075,7 +2081,7 @@
           <a:p>
             <a:fld id="{02AC24A9-CCB6-4F8D-B8DB-C2F3692CFA5A}" type="datetimeFigureOut">
               <a:rPr lang="en-US" smtClean="0"/>
-              <a:t>5/4/2020</a:t>
+              <a:t>5/5/2020</a:t>
             </a:fld>
             <a:endParaRPr lang="en-US"/>
           </a:p>
@@ -2545,7 +2551,7 @@
           <a:p>
             <a:fld id="{02AC24A9-CCB6-4F8D-B8DB-C2F3692CFA5A}" type="datetimeFigureOut">
               <a:rPr lang="en-US" smtClean="0"/>
-              <a:t>5/4/2020</a:t>
+              <a:t>5/5/2020</a:t>
             </a:fld>
             <a:endParaRPr lang="en-US"/>
           </a:p>
@@ -2750,7 +2756,7 @@
           <a:p>
             <a:fld id="{02AC24A9-CCB6-4F8D-B8DB-C2F3692CFA5A}" type="datetimeFigureOut">
               <a:rPr lang="en-US" smtClean="0"/>
-              <a:t>5/4/2020</a:t>
+              <a:t>5/5/2020</a:t>
             </a:fld>
             <a:endParaRPr lang="en-US"/>
           </a:p>
@@ -2961,7 +2967,7 @@
           <a:p>
             <a:fld id="{02AC24A9-CCB6-4F8D-B8DB-C2F3692CFA5A}" type="datetimeFigureOut">
               <a:rPr lang="en-US" smtClean="0"/>
-              <a:t>5/4/2020</a:t>
+              <a:t>5/5/2020</a:t>
             </a:fld>
             <a:endParaRPr lang="en-US"/>
           </a:p>
@@ -3193,7 +3199,7 @@
           <a:p>
             <a:fld id="{02AC24A9-CCB6-4F8D-B8DB-C2F3692CFA5A}" type="datetimeFigureOut">
               <a:rPr lang="en-US" smtClean="0"/>
-              <a:t>5/4/2020</a:t>
+              <a:t>5/5/2020</a:t>
             </a:fld>
             <a:endParaRPr lang="en-US"/>
           </a:p>
@@ -3441,7 +3447,7 @@
           <a:p>
             <a:fld id="{02AC24A9-CCB6-4F8D-B8DB-C2F3692CFA5A}" type="datetimeFigureOut">
               <a:rPr lang="en-US" smtClean="0"/>
-              <a:t>5/4/2020</a:t>
+              <a:t>5/5/2020</a:t>
             </a:fld>
             <a:endParaRPr lang="en-US"/>
           </a:p>
@@ -3739,7 +3745,7 @@
           <a:p>
             <a:fld id="{02AC24A9-CCB6-4F8D-B8DB-C2F3692CFA5A}" type="datetimeFigureOut">
               <a:rPr lang="en-US" smtClean="0"/>
-              <a:t>5/4/2020</a:t>
+              <a:t>5/5/2020</a:t>
             </a:fld>
             <a:endParaRPr lang="en-US"/>
           </a:p>
@@ -4133,7 +4139,7 @@
           <a:p>
             <a:fld id="{02AC24A9-CCB6-4F8D-B8DB-C2F3692CFA5A}" type="datetimeFigureOut">
               <a:rPr lang="en-US" smtClean="0"/>
-              <a:t>5/4/2020</a:t>
+              <a:t>5/5/2020</a:t>
             </a:fld>
             <a:endParaRPr lang="en-US"/>
           </a:p>
@@ -4282,7 +4288,7 @@
           <a:p>
             <a:fld id="{02AC24A9-CCB6-4F8D-B8DB-C2F3692CFA5A}" type="datetimeFigureOut">
               <a:rPr lang="en-US" smtClean="0"/>
-              <a:t>5/4/2020</a:t>
+              <a:t>5/5/2020</a:t>
             </a:fld>
             <a:endParaRPr lang="en-US"/>
           </a:p>
@@ -4408,7 +4414,7 @@
           <a:p>
             <a:fld id="{02AC24A9-CCB6-4F8D-B8DB-C2F3692CFA5A}" type="datetimeFigureOut">
               <a:rPr lang="en-US" smtClean="0"/>
-              <a:t>5/4/2020</a:t>
+              <a:t>5/5/2020</a:t>
             </a:fld>
             <a:endParaRPr lang="en-US"/>
           </a:p>
@@ -4663,7 +4669,7 @@
           <a:p>
             <a:fld id="{02AC24A9-CCB6-4F8D-B8DB-C2F3692CFA5A}" type="datetimeFigureOut">
               <a:rPr lang="en-US" smtClean="0"/>
-              <a:t>5/4/2020</a:t>
+              <a:t>5/5/2020</a:t>
             </a:fld>
             <a:endParaRPr lang="en-US"/>
           </a:p>
@@ -4978,7 +4984,7 @@
           <a:p>
             <a:fld id="{02AC24A9-CCB6-4F8D-B8DB-C2F3692CFA5A}" type="datetimeFigureOut">
               <a:rPr lang="en-US" smtClean="0"/>
-              <a:t>5/4/2020</a:t>
+              <a:t>5/5/2020</a:t>
             </a:fld>
             <a:endParaRPr lang="en-US"/>
           </a:p>
@@ -5329,7 +5335,7 @@
           <a:p>
             <a:fld id="{02AC24A9-CCB6-4F8D-B8DB-C2F3692CFA5A}" type="datetimeFigureOut">
               <a:rPr lang="en-US" smtClean="0"/>
-              <a:t>5/4/2020</a:t>
+              <a:t>5/5/2020</a:t>
             </a:fld>
             <a:endParaRPr lang="en-US"/>
           </a:p>
@@ -6789,8 +6795,8 @@
         </p:nvSpPr>
         <p:spPr>
           <a:xfrm>
-            <a:off x="952108" y="954756"/>
-            <a:ext cx="2730414" cy="4946003"/>
+            <a:off x="952107" y="954756"/>
+            <a:ext cx="2764107" cy="4946003"/>
           </a:xfrm>
         </p:spPr>
         <p:txBody>
@@ -7259,7 +7265,7 @@
                   <a:schemeClr val="bg1"/>
                 </a:solidFill>
               </a:rPr>
-              <a:t>Front : REACTJS</a:t>
+              <a:t>Front : EJS</a:t>
             </a:r>
           </a:p>
           <a:p>
@@ -7295,11 +7301,14 @@
               </a:rPr>
               <a:t>Sequelize</a:t>
             </a:r>
-            <a:endParaRPr lang="fr-FR" sz="2200" dirty="0">
-              <a:solidFill>
-                <a:schemeClr val="bg1"/>
-              </a:solidFill>
-            </a:endParaRPr>
+            <a:r>
+              <a:rPr lang="fr-FR" sz="2200" dirty="0">
+                <a:solidFill>
+                  <a:schemeClr val="bg1"/>
+                </a:solidFill>
+              </a:rPr>
+              <a:t>, SQLite</a:t>
+            </a:r>
           </a:p>
         </p:txBody>
       </p:sp>
@@ -7545,7 +7554,10 @@
           <a:bodyPr/>
           <a:lstStyle/>
           <a:p>
-            <a:endParaRPr lang="fr-FR"/>
+            <a:r>
+              <a:rPr lang="fr-FR" dirty="0"/>
+              <a:t>Apprentissage de EXPRESS, SEQUELIZE, SQLite en une semaine suite a un changement de technologie soudain.</a:t>
+            </a:r>
           </a:p>
         </p:txBody>
       </p:sp>
@@ -7628,10 +7640,7 @@
           <a:bodyPr/>
           <a:lstStyle/>
           <a:p>
-            <a:r>
-              <a:rPr lang="fr-FR" dirty="0"/>
-              <a:t>Merci de vôtre écoute …</a:t>
-            </a:r>
+            <a:endParaRPr lang="fr-FR" dirty="0"/>
           </a:p>
         </p:txBody>
       </p:sp>
@@ -7639,6 +7648,92 @@
     <p:extLst>
       <p:ext uri="{BB962C8B-B14F-4D97-AF65-F5344CB8AC3E}">
         <p14:creationId xmlns:p14="http://schemas.microsoft.com/office/powerpoint/2010/main" val="3094566536"/>
+      </p:ext>
+    </p:extLst>
+  </p:cSld>
+  <p:clrMapOvr>
+    <a:masterClrMapping/>
+  </p:clrMapOvr>
+</p:sld>
+</file>
+
+<file path=ppt/slides/slide7.xml><?xml version="1.0" encoding="utf-8"?>
+<p:sld xmlns:a="http://schemas.openxmlformats.org/drawingml/2006/main" xmlns:r="http://schemas.openxmlformats.org/officeDocument/2006/relationships" xmlns:p="http://schemas.openxmlformats.org/presentationml/2006/main">
+  <p:cSld>
+    <p:spTree>
+      <p:nvGrpSpPr>
+        <p:cNvPr id="1" name=""/>
+        <p:cNvGrpSpPr/>
+        <p:nvPr/>
+      </p:nvGrpSpPr>
+      <p:grpSpPr>
+        <a:xfrm>
+          <a:off x="0" y="0"/>
+          <a:ext cx="0" cy="0"/>
+          <a:chOff x="0" y="0"/>
+          <a:chExt cx="0" cy="0"/>
+        </a:xfrm>
+      </p:grpSpPr>
+      <p:sp>
+        <p:nvSpPr>
+          <p:cNvPr id="4" name="Titre 3">
+            <a:extLst>
+              <a:ext uri="{FF2B5EF4-FFF2-40B4-BE49-F238E27FC236}">
+                <a16:creationId xmlns:a16="http://schemas.microsoft.com/office/drawing/2014/main" id="{90C54542-117E-4A7A-AE6A-9F761A5CC580}"/>
+              </a:ext>
+            </a:extLst>
+          </p:cNvPr>
+          <p:cNvSpPr>
+            <a:spLocks noGrp="1"/>
+          </p:cNvSpPr>
+          <p:nvPr>
+            <p:ph type="ctrTitle"/>
+          </p:nvPr>
+        </p:nvSpPr>
+        <p:spPr/>
+        <p:txBody>
+          <a:bodyPr/>
+          <a:lstStyle/>
+          <a:p>
+            <a:r>
+              <a:rPr lang="fr-FR" dirty="0"/>
+              <a:t>Merci de votre écoute</a:t>
+            </a:r>
+          </a:p>
+        </p:txBody>
+      </p:sp>
+      <p:sp>
+        <p:nvSpPr>
+          <p:cNvPr id="5" name="Sous-titre 4">
+            <a:extLst>
+              <a:ext uri="{FF2B5EF4-FFF2-40B4-BE49-F238E27FC236}">
+                <a16:creationId xmlns:a16="http://schemas.microsoft.com/office/drawing/2014/main" id="{6E437E83-0C97-4497-A8C4-495E498744DE}"/>
+              </a:ext>
+            </a:extLst>
+          </p:cNvPr>
+          <p:cNvSpPr>
+            <a:spLocks noGrp="1"/>
+          </p:cNvSpPr>
+          <p:nvPr>
+            <p:ph type="subTitle" idx="1"/>
+          </p:nvPr>
+        </p:nvSpPr>
+        <p:spPr/>
+        <p:txBody>
+          <a:bodyPr/>
+          <a:lstStyle/>
+          <a:p>
+            <a:r>
+              <a:rPr lang="fr-FR" dirty="0"/>
+              <a:t>Avez-vous des questions?</a:t>
+            </a:r>
+          </a:p>
+        </p:txBody>
+      </p:sp>
+    </p:spTree>
+    <p:extLst>
+      <p:ext uri="{BB962C8B-B14F-4D97-AF65-F5344CB8AC3E}">
+        <p14:creationId xmlns:p14="http://schemas.microsoft.com/office/powerpoint/2010/main" val="1747957299"/>
       </p:ext>
     </p:extLst>
   </p:cSld>
